--- a/Nuclear_Fuel_Performance/NE591_Spring2020/MOOSE/Khadija/presentation 3.pptx
+++ b/Nuclear_Fuel_Performance/NE591_Spring2020/MOOSE/Khadija/presentation 3.pptx
@@ -223,7 +223,7 @@
           <a:p>
             <a:fld id="{237C5660-D87B-442F-B5CA-277EBE8D2F66}" type="datetimeFigureOut">
               <a:rPr lang="en-US" smtClean="0"/>
-              <a:t>05/01/20</a:t>
+              <a:t>5/4/20</a:t>
             </a:fld>
             <a:endParaRPr lang="en-US"/>
           </a:p>
@@ -787,7 +787,7 @@
           <a:p>
             <a:fld id="{0803DE7F-642E-4933-8DA2-1B393D8B8484}" type="datetime1">
               <a:rPr lang="en-US" smtClean="0"/>
-              <a:t>05/01/20</a:t>
+              <a:t>5/4/20</a:t>
             </a:fld>
             <a:endParaRPr lang="en-US"/>
           </a:p>
@@ -958,7 +958,7 @@
           <a:p>
             <a:fld id="{B0C1A1D6-B072-438A-9501-3674EB72DB04}" type="datetime1">
               <a:rPr lang="en-US" smtClean="0"/>
-              <a:t>05/01/20</a:t>
+              <a:t>5/4/20</a:t>
             </a:fld>
             <a:endParaRPr lang="en-US"/>
           </a:p>
@@ -1139,7 +1139,7 @@
           <a:p>
             <a:fld id="{82AB2B88-191F-496C-9478-9E0B789EF1C7}" type="datetime1">
               <a:rPr lang="en-US" smtClean="0"/>
-              <a:t>05/01/20</a:t>
+              <a:t>5/4/20</a:t>
             </a:fld>
             <a:endParaRPr lang="en-US"/>
           </a:p>
@@ -1310,7 +1310,7 @@
           <a:p>
             <a:fld id="{C87A5DAC-9DA6-4C07-8E08-7E8DAA401280}" type="datetime1">
               <a:rPr lang="en-US" smtClean="0"/>
-              <a:t>05/01/20</a:t>
+              <a:t>5/4/20</a:t>
             </a:fld>
             <a:endParaRPr lang="en-US"/>
           </a:p>
@@ -1588,7 +1588,7 @@
           <a:p>
             <a:fld id="{E77D9D1D-D194-4E67-8DFB-33BACA90FA46}" type="datetime1">
               <a:rPr lang="en-US" smtClean="0"/>
-              <a:t>05/01/20</a:t>
+              <a:t>5/4/20</a:t>
             </a:fld>
             <a:endParaRPr lang="en-US"/>
           </a:p>
@@ -1820,7 +1820,7 @@
           <a:p>
             <a:fld id="{0A3BA95E-0CB1-4C97-8A81-126F8D375CF9}" type="datetime1">
               <a:rPr lang="en-US" smtClean="0"/>
-              <a:t>05/01/20</a:t>
+              <a:t>5/4/20</a:t>
             </a:fld>
             <a:endParaRPr lang="en-US"/>
           </a:p>
@@ -2187,7 +2187,7 @@
           <a:p>
             <a:fld id="{DFA59E45-D1AB-439B-806D-7AD0F3AF70C0}" type="datetime1">
               <a:rPr lang="en-US" smtClean="0"/>
-              <a:t>05/01/20</a:t>
+              <a:t>5/4/20</a:t>
             </a:fld>
             <a:endParaRPr lang="en-US"/>
           </a:p>
@@ -2307,7 +2307,7 @@
           <a:p>
             <a:fld id="{8A1205CF-F9AF-46B5-B7A1-D27A1181642D}" type="datetime1">
               <a:rPr lang="en-US" smtClean="0"/>
-              <a:t>05/01/20</a:t>
+              <a:t>5/4/20</a:t>
             </a:fld>
             <a:endParaRPr lang="en-US"/>
           </a:p>
@@ -2405,7 +2405,7 @@
           <a:p>
             <a:fld id="{E8A4BAFF-905E-45DD-9EC7-280236E272C8}" type="datetime1">
               <a:rPr lang="en-US" smtClean="0"/>
-              <a:t>05/01/20</a:t>
+              <a:t>5/4/20</a:t>
             </a:fld>
             <a:endParaRPr lang="en-US"/>
           </a:p>
@@ -2683,7 +2683,7 @@
           <a:p>
             <a:fld id="{178CE363-ABE1-4EF8-B99D-7C99F911CD05}" type="datetime1">
               <a:rPr lang="en-US" smtClean="0"/>
-              <a:t>05/01/20</a:t>
+              <a:t>5/4/20</a:t>
             </a:fld>
             <a:endParaRPr lang="en-US"/>
           </a:p>
@@ -2938,7 +2938,7 @@
           <a:p>
             <a:fld id="{4767B7F8-7A89-4BB0-A0A0-7D5247026C51}" type="datetime1">
               <a:rPr lang="en-US" smtClean="0"/>
-              <a:t>05/01/20</a:t>
+              <a:t>5/4/20</a:t>
             </a:fld>
             <a:endParaRPr lang="en-US"/>
           </a:p>
@@ -3152,7 +3152,7 @@
           <a:p>
             <a:fld id="{9F90EEB0-7B01-4443-9D77-20E1EC70DE38}" type="datetime1">
               <a:rPr lang="en-US" smtClean="0"/>
-              <a:t>05/01/20</a:t>
+              <a:t>5/4/20</a:t>
             </a:fld>
             <a:endParaRPr lang="en-US"/>
           </a:p>
@@ -3972,7 +3972,7 @@
           <a:p>
             <a:fld id="{C87A5DAC-9DA6-4C07-8E08-7E8DAA401280}" type="datetime1">
               <a:rPr lang="en-US" smtClean="0"/>
-              <a:t>05/01/20</a:t>
+              <a:t>5/4/20</a:t>
             </a:fld>
             <a:endParaRPr lang="en-US"/>
           </a:p>
@@ -4273,7 +4273,7 @@
                 <a:latin typeface="Times New Roman" panose="02020603050405020304" pitchFamily="18" charset="0"/>
                 <a:cs typeface="Times New Roman" panose="02020603050405020304" pitchFamily="18" charset="0"/>
               </a:rPr>
-              <a:t>05/01/20</a:t>
+              <a:t>5/4/20</a:t>
             </a:fld>
             <a:endParaRPr lang="en-US">
               <a:latin typeface="Times New Roman" panose="02020603050405020304" pitchFamily="18" charset="0"/>
@@ -4441,8 +4441,8 @@
           </a:p>
         </p:txBody>
       </p:sp>
-      <mc:AlternateContent xmlns:mc="http://schemas.openxmlformats.org/markup-compatibility/2006">
-        <mc:Choice xmlns:a14="http://schemas.microsoft.com/office/drawing/2010/main" Requires="a14">
+      <mc:AlternateContent xmlns:mc="http://schemas.openxmlformats.org/markup-compatibility/2006" xmlns:a14="http://schemas.microsoft.com/office/drawing/2010/main">
+        <mc:Choice Requires="a14">
           <p:sp>
             <p:nvSpPr>
               <p:cNvPr id="3" name="Content Placeholder 2">
@@ -5006,19 +5006,7 @@
                       <a:rPr lang="en-US" sz="1800" i="1">
                         <a:latin typeface="Cambria Math" panose="02040503050406030204" pitchFamily="18" charset="0"/>
                       </a:rPr>
-                      <m:t>=</m:t>
-                    </m:r>
-                    <m:r>
-                      <a:rPr lang="en-US" sz="1800" i="1">
-                        <a:latin typeface="Cambria Math" panose="02040503050406030204" pitchFamily="18" charset="0"/>
-                      </a:rPr>
-                      <m:t>50</m:t>
-                    </m:r>
-                    <m:r>
-                      <a:rPr lang="en-US" sz="1800" i="1">
-                        <a:latin typeface="Cambria Math" panose="02040503050406030204" pitchFamily="18" charset="0"/>
-                      </a:rPr>
-                      <m:t>0</m:t>
+                      <m:t>=500</m:t>
                     </m:r>
                     <m:r>
                       <a:rPr lang="en-US" sz="1800" i="1">
@@ -5084,7 +5072,7 @@
             </p:txBody>
           </p:sp>
         </mc:Choice>
-        <mc:Fallback>
+        <mc:Fallback xmlns="">
           <p:sp>
             <p:nvSpPr>
               <p:cNvPr id="3" name="Content Placeholder 2">
@@ -5151,7 +5139,7 @@
           <a:p>
             <a:fld id="{C87A5DAC-9DA6-4C07-8E08-7E8DAA401280}" type="datetime1">
               <a:rPr lang="en-US" smtClean="0"/>
-              <a:t>05/01/20</a:t>
+              <a:t>5/4/20</a:t>
             </a:fld>
             <a:endParaRPr lang="en-US"/>
           </a:p>
@@ -5214,8 +5202,8 @@
           </a:p>
         </p:txBody>
       </p:sp>
-      <mc:AlternateContent xmlns:mc="http://schemas.openxmlformats.org/markup-compatibility/2006">
-        <mc:Choice xmlns:a14="http://schemas.microsoft.com/office/drawing/2010/main" Requires="a14">
+      <mc:AlternateContent xmlns:mc="http://schemas.openxmlformats.org/markup-compatibility/2006" xmlns:a14="http://schemas.microsoft.com/office/drawing/2010/main">
+        <mc:Choice Requires="a14">
           <p:sp>
             <p:nvSpPr>
               <p:cNvPr id="9" name="Rectangle 8">
@@ -5248,7 +5236,7 @@
                     <m:f>
                       <m:fPr>
                         <m:ctrlPr>
-                          <a:rPr lang="en-US" sz="2000" smtClean="0">
+                          <a:rPr lang="en-US" sz="2000" i="1" smtClean="0">
                             <a:latin typeface="Cambria Math" panose="02040503050406030204" pitchFamily="18" charset="0"/>
                           </a:rPr>
                         </m:ctrlPr>
@@ -5289,7 +5277,7 @@
                           <a:rPr lang="en-US" sz="2000" i="0" smtClean="0">
                             <a:latin typeface="Cambria Math" panose="02040503050406030204" pitchFamily="18" charset="0"/>
                           </a:rPr>
-                          <m:t>∂</m:t>
+                          <m:t>𝜕</m:t>
                         </m:r>
                       </m:num>
                       <m:den>
@@ -5297,7 +5285,7 @@
                           <a:rPr lang="en-US" sz="2000" i="0">
                             <a:latin typeface="Cambria Math" panose="02040503050406030204" pitchFamily="18" charset="0"/>
                           </a:rPr>
-                          <m:t>∂</m:t>
+                          <m:t>𝜕</m:t>
                         </m:r>
                         <m:r>
                           <a:rPr lang="en-US" sz="2000" i="1">
@@ -5341,7 +5329,7 @@
                               <a:rPr lang="en-US" sz="2000" i="0">
                                 <a:latin typeface="Cambria Math" panose="02040503050406030204" pitchFamily="18" charset="0"/>
                               </a:rPr>
-                              <m:t>∂</m:t>
+                              <m:t>𝜕</m:t>
                             </m:r>
                             <m:r>
                               <a:rPr lang="en-US" sz="2000" i="1">
@@ -5355,7 +5343,7 @@
                               <a:rPr lang="en-US" sz="2000" i="0">
                                 <a:latin typeface="Cambria Math" panose="02040503050406030204" pitchFamily="18" charset="0"/>
                               </a:rPr>
-                              <m:t>∂</m:t>
+                              <m:t>𝜕</m:t>
                             </m:r>
                             <m:r>
                               <a:rPr lang="en-US" sz="2000" i="1">
@@ -5494,7 +5482,7 @@
             </p:txBody>
           </p:sp>
         </mc:Choice>
-        <mc:Fallback>
+        <mc:Fallback xmlns="">
           <p:sp>
             <p:nvSpPr>
               <p:cNvPr id="9" name="Rectangle 8">
@@ -5539,8 +5527,8 @@
           </p:sp>
         </mc:Fallback>
       </mc:AlternateContent>
-      <mc:AlternateContent xmlns:mc="http://schemas.openxmlformats.org/markup-compatibility/2006">
-        <mc:Choice xmlns:a14="http://schemas.microsoft.com/office/drawing/2010/main" Requires="a14">
+      <mc:AlternateContent xmlns:mc="http://schemas.openxmlformats.org/markup-compatibility/2006" xmlns:a14="http://schemas.microsoft.com/office/drawing/2010/main">
+        <mc:Choice Requires="a14">
           <p:sp>
             <p:nvSpPr>
               <p:cNvPr id="10" name="Rectangle 9">
@@ -5568,6 +5556,7 @@
               </a:bodyPr>
               <a:lstStyle/>
               <a:p>
+                <a:pPr/>
                 <a14:m>
                   <m:oMathPara xmlns:m="http://schemas.openxmlformats.org/officeDocument/2006/math">
                     <m:oMathParaPr>
@@ -5577,7 +5566,7 @@
                       <m:f>
                         <m:fPr>
                           <m:ctrlPr>
-                            <a:rPr lang="en-US" sz="1600" smtClean="0">
+                            <a:rPr lang="en-US" sz="1600" i="1" smtClean="0">
                               <a:latin typeface="Cambria Math" panose="02040503050406030204" pitchFamily="18" charset="0"/>
                             </a:rPr>
                           </m:ctrlPr>
@@ -5618,7 +5607,7 @@
                             <a:rPr lang="en-US" sz="1600" i="0" smtClean="0">
                               <a:latin typeface="Cambria Math" panose="02040503050406030204" pitchFamily="18" charset="0"/>
                             </a:rPr>
-                            <m:t>∂</m:t>
+                            <m:t>𝜕</m:t>
                           </m:r>
                         </m:num>
                         <m:den>
@@ -5626,7 +5615,7 @@
                             <a:rPr lang="en-US" sz="1600" i="0">
                               <a:latin typeface="Cambria Math" panose="02040503050406030204" pitchFamily="18" charset="0"/>
                             </a:rPr>
-                            <m:t>∂</m:t>
+                            <m:t>𝜕</m:t>
                           </m:r>
                           <m:r>
                             <a:rPr lang="en-US" sz="1600" i="1">
@@ -5670,7 +5659,7 @@
                                 <a:rPr lang="en-US" sz="1600" i="0">
                                   <a:latin typeface="Cambria Math" panose="02040503050406030204" pitchFamily="18" charset="0"/>
                                 </a:rPr>
-                                <m:t>∂</m:t>
+                                <m:t>𝜕</m:t>
                               </m:r>
                               <m:r>
                                 <a:rPr lang="en-US" sz="1600" i="1">
@@ -5684,7 +5673,7 @@
                                 <a:rPr lang="en-US" sz="1600" i="0">
                                   <a:latin typeface="Cambria Math" panose="02040503050406030204" pitchFamily="18" charset="0"/>
                                 </a:rPr>
-                                <m:t>∂</m:t>
+                                <m:t>𝜕</m:t>
                               </m:r>
                               <m:r>
                                 <a:rPr lang="en-US" sz="1600" i="1">
@@ -5748,7 +5737,7 @@
             </p:txBody>
           </p:sp>
         </mc:Choice>
-        <mc:Fallback>
+        <mc:Fallback xmlns="">
           <p:sp>
             <p:nvSpPr>
               <p:cNvPr id="10" name="Rectangle 9">
@@ -5879,7 +5868,7 @@
           <a:p>
             <a:fld id="{C87A5DAC-9DA6-4C07-8E08-7E8DAA401280}" type="datetime1">
               <a:rPr lang="en-US" smtClean="0"/>
-              <a:t>05/01/20</a:t>
+              <a:t>5/4/20</a:t>
             </a:fld>
             <a:endParaRPr lang="en-US"/>
           </a:p>
@@ -6353,7 +6342,7 @@
           <a:p>
             <a:fld id="{C87A5DAC-9DA6-4C07-8E08-7E8DAA401280}" type="datetime1">
               <a:rPr lang="en-US" smtClean="0"/>
-              <a:t>05/01/20</a:t>
+              <a:t>5/4/20</a:t>
             </a:fld>
             <a:endParaRPr lang="en-US"/>
           </a:p>
@@ -6860,7 +6849,7 @@
           <a:p>
             <a:fld id="{C87A5DAC-9DA6-4C07-8E08-7E8DAA401280}" type="datetime1">
               <a:rPr lang="en-US" smtClean="0"/>
-              <a:t>05/01/20</a:t>
+              <a:t>5/4/20</a:t>
             </a:fld>
             <a:endParaRPr lang="en-US"/>
           </a:p>
